--- a/ExternalDesign/externaldesign_v1_review.pptx
+++ b/ExternalDesign/externaldesign_v1_review.pptx
@@ -4680,11 +4680,11 @@
           <a:lstStyle/>
           <a:p>
             <a:r>
-              <a:rPr lang="ja-JP" altLang="en-US" sz="1400" dirty="0" smtClean="0"/>
+              <a:rPr lang="ja-JP" altLang="en-US" sz="1400" dirty="0"/>
               <a:t>外部設計書</a:t>
             </a:r>
             <a:r>
-              <a:rPr kumimoji="1" lang="en-US" altLang="ja-JP" sz="1400" dirty="0" smtClean="0"/>
+              <a:rPr kumimoji="1" lang="en-US" altLang="ja-JP" sz="1400" dirty="0"/>
               <a:t>v1</a:t>
             </a:r>
             <a:endParaRPr kumimoji="1" lang="ja-JP" altLang="en-US" sz="1400" dirty="0"/>
@@ -4720,7 +4720,7 @@
           <a:lstStyle/>
           <a:p>
             <a:r>
-              <a:rPr kumimoji="1" lang="en-US" altLang="ja-JP" sz="1400" dirty="0" smtClean="0"/>
+              <a:rPr kumimoji="1" lang="en-US" altLang="ja-JP" sz="1400" dirty="0"/>
               <a:t>A504</a:t>
             </a:r>
             <a:endParaRPr kumimoji="1" lang="ja-JP" altLang="en-US" sz="1400" dirty="0"/>
@@ -5811,11 +5811,11 @@
                   <a:t>年</a:t>
                 </a:r>
                 <a:r>
-                  <a:rPr lang="en-US" altLang="ja-JP" sz="1200" dirty="0" smtClean="0"/>
+                  <a:rPr lang="en-US" altLang="ja-JP" sz="1200" dirty="0"/>
                   <a:t>11</a:t>
                 </a:r>
                 <a:r>
-                  <a:rPr lang="ja-JP" altLang="en-US" sz="1200" dirty="0" smtClean="0"/>
+                  <a:rPr lang="ja-JP" altLang="en-US" sz="1200" dirty="0"/>
                   <a:t>月</a:t>
                 </a:r>
                 <a:r>
@@ -5823,23 +5823,19 @@
                   <a:t>9</a:t>
                 </a:r>
                 <a:r>
-                  <a:rPr lang="ja-JP" altLang="en-US" sz="1200" dirty="0" smtClean="0"/>
-                  <a:t>日（金）</a:t>
+                  <a:rPr lang="ja-JP" altLang="en-US" sz="1200" dirty="0"/>
+                  <a:t>日（金）　</a:t>
+                </a:r>
+                <a:r>
+                  <a:rPr lang="en-US" altLang="ja-JP" sz="1200" dirty="0"/>
+                  <a:t>14</a:t>
                 </a:r>
                 <a:r>
                   <a:rPr lang="ja-JP" altLang="en-US" sz="1200" dirty="0"/>
-                  <a:t>　</a:t>
-                </a:r>
-                <a:r>
-                  <a:rPr lang="en-US" altLang="ja-JP" sz="1200" dirty="0" smtClean="0"/>
-                  <a:t>14</a:t>
-                </a:r>
-                <a:r>
-                  <a:rPr lang="ja-JP" altLang="en-US" sz="1200" dirty="0" smtClean="0"/>
                   <a:t>：</a:t>
                 </a:r>
                 <a:r>
-                  <a:rPr lang="en-US" altLang="ja-JP" sz="1200" dirty="0" smtClean="0"/>
+                  <a:rPr lang="en-US" altLang="ja-JP" sz="1200" dirty="0"/>
                   <a:t>10</a:t>
                 </a:r>
                 <a:r>
@@ -5847,20 +5843,16 @@
                   <a:t>　～　</a:t>
                 </a:r>
                 <a:r>
-                  <a:rPr lang="en-US" altLang="ja-JP" sz="1200" dirty="0" smtClean="0"/>
+                  <a:rPr lang="en-US" altLang="ja-JP" sz="1200" dirty="0"/>
                   <a:t>16</a:t>
                 </a:r>
                 <a:r>
-                  <a:rPr lang="ja-JP" altLang="en-US" sz="1200" dirty="0" smtClean="0"/>
+                  <a:rPr lang="ja-JP" altLang="en-US" sz="1200" dirty="0"/>
                   <a:t>：</a:t>
                 </a:r>
                 <a:r>
                   <a:rPr lang="en-US" altLang="ja-JP" sz="1200" dirty="0"/>
-                  <a:t>1</a:t>
-                </a:r>
-                <a:r>
-                  <a:rPr lang="en-US" altLang="ja-JP" sz="1200" dirty="0" smtClean="0"/>
-                  <a:t>0</a:t>
+                  <a:t>10</a:t>
                 </a:r>
                 <a:r>
                   <a:rPr lang="ja-JP" altLang="en-US" sz="1200" dirty="0"/>
@@ -6502,18 +6494,9 @@
               <a:p>
                 <a:pPr eaLnBrk="1" hangingPunct="1"/>
                 <a:r>
-                  <a:rPr lang="ja-JP" altLang="en-US" sz="1200" dirty="0" smtClean="0"/>
-                  <a:t>レビュ</a:t>
+                  <a:rPr lang="ja-JP" altLang="en-US" sz="1200" dirty="0"/>
+                  <a:t>レビュー対象物</a:t>
                 </a:r>
-                <a:r>
-                  <a:rPr lang="ja-JP" altLang="en-US" sz="1200" dirty="0"/>
-                  <a:t>ー</a:t>
-                </a:r>
-                <a:r>
-                  <a:rPr lang="ja-JP" altLang="en-US" sz="1200" dirty="0" smtClean="0"/>
-                  <a:t>対象物</a:t>
-                </a:r>
-                <a:endParaRPr lang="ja-JP" altLang="en-US" sz="1200" dirty="0"/>
               </a:p>
             </p:txBody>
           </p:sp>
@@ -9409,7 +9392,7 @@
             <a:p>
               <a:pPr algn="ctr"/>
               <a:r>
-                <a:rPr lang="en-US" altLang="ja-JP" sz="1200" dirty="0" smtClean="0"/>
+                <a:rPr lang="en-US" altLang="ja-JP" sz="1200" dirty="0"/>
                 <a:t>UI</a:t>
               </a:r>
               <a:r>
@@ -9417,22 +9400,18 @@
                 <a:t> </a:t>
               </a:r>
               <a:r>
-                <a:rPr lang="en-US" altLang="ja-JP" sz="1200" dirty="0" smtClean="0"/>
+                <a:rPr lang="en-US" altLang="ja-JP" sz="1200" dirty="0"/>
                 <a:t>SNS</a:t>
               </a:r>
               <a:r>
-                <a:rPr lang="ja-JP" altLang="en-US" sz="1200" dirty="0" smtClean="0"/>
+                <a:rPr lang="ja-JP" altLang="en-US" sz="1200" dirty="0"/>
                 <a:t>機能</a:t>
               </a:r>
-              <a:r>
-                <a:rPr lang="en-US" altLang="ja-JP" sz="1200" dirty="0" smtClean="0"/>
-                <a:t/>
-              </a:r>
               <a:br>
-                <a:rPr lang="en-US" altLang="ja-JP" sz="1200" dirty="0" smtClean="0"/>
+                <a:rPr lang="en-US" altLang="ja-JP" sz="1200" dirty="0"/>
               </a:br>
               <a:r>
-                <a:rPr lang="ja-JP" altLang="en-US" sz="1200" dirty="0" smtClean="0"/>
+                <a:rPr lang="ja-JP" altLang="en-US" sz="1200" dirty="0"/>
                 <a:t>　回答画面が不足　質問詳細画面が不足</a:t>
               </a:r>
               <a:endParaRPr lang="en-US" altLang="ja-JP" sz="1200" dirty="0"/>
@@ -9469,12 +9448,8 @@
             <a:p>
               <a:pPr algn="ctr"/>
               <a:r>
-                <a:rPr lang="ja-JP" altLang="en-US" sz="1200" dirty="0" smtClean="0"/>
-                <a:t>本</a:t>
-              </a:r>
-              <a:r>
                 <a:rPr lang="ja-JP" altLang="en-US" sz="1200" dirty="0"/>
-                <a:t>城</a:t>
+                <a:t>本城</a:t>
               </a:r>
               <a:endParaRPr lang="en-US" altLang="ja-JP" sz="1200" dirty="0"/>
             </a:p>
@@ -9510,7 +9485,7 @@
             <a:p>
               <a:pPr algn="ctr"/>
               <a:r>
-                <a:rPr lang="ja-JP" altLang="en-US" sz="1200" dirty="0" smtClean="0"/>
+                <a:rPr lang="ja-JP" altLang="en-US" sz="1200" dirty="0"/>
                 <a:t>これらの画面を追加した</a:t>
               </a:r>
               <a:endParaRPr lang="en-US" altLang="ja-JP" sz="1200" dirty="0"/>
@@ -9547,18 +9522,17 @@
             <a:p>
               <a:pPr algn="ctr"/>
               <a:r>
-                <a:rPr lang="ja-JP" altLang="en-US" sz="1050" dirty="0" smtClean="0"/>
+                <a:rPr lang="ja-JP" altLang="en-US" sz="1050" dirty="0"/>
                 <a:t>森本</a:t>
               </a:r>
-              <a:endParaRPr lang="en-US" altLang="ja-JP" sz="1050" dirty="0" smtClean="0"/>
+              <a:endParaRPr lang="en-US" altLang="ja-JP" sz="1050" dirty="0"/>
             </a:p>
             <a:p>
               <a:pPr algn="ctr"/>
               <a:r>
-                <a:rPr lang="en-US" altLang="ja-JP" sz="1050" dirty="0" smtClean="0"/>
+                <a:rPr lang="en-US" altLang="ja-JP" sz="1050" dirty="0"/>
                 <a:t>(11/13)</a:t>
               </a:r>
-              <a:endParaRPr lang="en-US" altLang="ja-JP" sz="1050" dirty="0"/>
             </a:p>
           </p:txBody>
         </p:sp>
@@ -9628,7 +9602,7 @@
             <a:p>
               <a:pPr algn="ctr"/>
               <a:r>
-                <a:rPr lang="en-US" altLang="ja-JP" sz="1400" dirty="0" smtClean="0"/>
+                <a:rPr lang="en-US" altLang="ja-JP" sz="1400" dirty="0"/>
                 <a:t>p.22</a:t>
               </a:r>
               <a:endParaRPr kumimoji="1" lang="en-US" altLang="ja-JP" sz="1400" dirty="0"/>
@@ -9686,18 +9660,14 @@
             <a:p>
               <a:pPr algn="ctr"/>
               <a:r>
-                <a:rPr lang="ja-JP" altLang="en-US" sz="1200" dirty="0" smtClean="0"/>
+                <a:rPr lang="ja-JP" altLang="en-US" sz="1200" dirty="0"/>
                 <a:t>成長記録機能　</a:t>
               </a:r>
-              <a:r>
-                <a:rPr lang="en-US" altLang="ja-JP" sz="1200" dirty="0" smtClean="0"/>
-                <a:t/>
-              </a:r>
               <a:br>
-                <a:rPr lang="en-US" altLang="ja-JP" sz="1200" dirty="0" smtClean="0"/>
+                <a:rPr lang="en-US" altLang="ja-JP" sz="1200" dirty="0"/>
               </a:br>
               <a:r>
-                <a:rPr lang="ja-JP" altLang="en-US" sz="1200" dirty="0" smtClean="0"/>
+                <a:rPr lang="ja-JP" altLang="en-US" sz="1200" dirty="0"/>
                 <a:t>アルバム画面不足　共有画面は不要</a:t>
               </a:r>
               <a:endParaRPr lang="en-US" altLang="ja-JP" sz="1200" dirty="0"/>
@@ -9734,7 +9704,7 @@
             <a:p>
               <a:pPr algn="ctr"/>
               <a:r>
-                <a:rPr lang="ja-JP" altLang="en-US" sz="1200" dirty="0" smtClean="0"/>
+                <a:rPr lang="ja-JP" altLang="en-US" sz="1200" dirty="0"/>
                 <a:t>別役</a:t>
               </a:r>
               <a:endParaRPr lang="en-US" altLang="ja-JP" sz="1200" dirty="0"/>
@@ -9771,7 +9741,7 @@
             <a:p>
               <a:pPr algn="ctr"/>
               <a:r>
-                <a:rPr lang="ja-JP" altLang="en-US" sz="1200" dirty="0" smtClean="0"/>
+                <a:rPr lang="ja-JP" altLang="en-US" sz="1200" dirty="0"/>
                 <a:t>修正完了</a:t>
               </a:r>
               <a:endParaRPr lang="en-US" altLang="ja-JP" sz="1200" dirty="0"/>
@@ -9817,11 +9787,7 @@
               <a:pPr algn="ctr"/>
               <a:r>
                 <a:rPr lang="en-US" altLang="ja-JP" sz="1050" dirty="0"/>
-                <a:t>(</a:t>
-              </a:r>
-              <a:r>
-                <a:rPr lang="en-US" altLang="ja-JP" sz="1050" dirty="0" smtClean="0"/>
-                <a:t>11/13)</a:t>
+                <a:t>(11/13)</a:t>
               </a:r>
               <a:endParaRPr lang="en-US" altLang="ja-JP" sz="1200" dirty="0"/>
             </a:p>
@@ -9929,7 +9895,7 @@
             <a:p>
               <a:pPr algn="ctr"/>
               <a:r>
-                <a:rPr lang="en-US" altLang="ja-JP" sz="1400" dirty="0" smtClean="0"/>
+                <a:rPr lang="en-US" altLang="ja-JP" sz="1400" dirty="0"/>
                 <a:t>p.19</a:t>
               </a:r>
               <a:endParaRPr kumimoji="1" lang="en-US" altLang="ja-JP" sz="1400" dirty="0"/>
@@ -9987,37 +9953,33 @@
             <a:p>
               <a:pPr algn="ctr"/>
               <a:r>
-                <a:rPr lang="ja-JP" altLang="en-US" sz="1200" dirty="0" smtClean="0"/>
+                <a:rPr lang="ja-JP" altLang="en-US" sz="1200" dirty="0"/>
                 <a:t>ゲーム機能</a:t>
               </a:r>
               <a:r>
-                <a:rPr lang="en-US" altLang="ja-JP" sz="1200" dirty="0" smtClean="0"/>
+                <a:rPr lang="en-US" altLang="ja-JP" sz="1200" dirty="0"/>
                 <a:t>(</a:t>
               </a:r>
               <a:r>
-                <a:rPr lang="ja-JP" altLang="en-US" sz="1200" dirty="0" smtClean="0"/>
+                <a:rPr lang="ja-JP" altLang="en-US" sz="1200" dirty="0"/>
                 <a:t>おつかい</a:t>
               </a:r>
               <a:r>
-                <a:rPr lang="en-US" altLang="ja-JP" sz="1200" dirty="0" smtClean="0"/>
+                <a:rPr lang="en-US" altLang="ja-JP" sz="1200" dirty="0"/>
                 <a:t>)</a:t>
               </a:r>
               <a:r>
-                <a:rPr lang="ja-JP" altLang="en-US" sz="1200" dirty="0" smtClean="0"/>
+                <a:rPr lang="ja-JP" altLang="en-US" sz="1200" dirty="0"/>
                 <a:t>　</a:t>
               </a:r>
-              <a:r>
-                <a:rPr lang="en-US" altLang="ja-JP" sz="1200" dirty="0" smtClean="0"/>
-                <a:t/>
-              </a:r>
               <a:br>
-                <a:rPr lang="en-US" altLang="ja-JP" sz="1200" dirty="0" smtClean="0"/>
+                <a:rPr lang="en-US" altLang="ja-JP" sz="1200" dirty="0"/>
               </a:br>
               <a:r>
-                <a:rPr lang="ja-JP" altLang="en-US" sz="1200" dirty="0" smtClean="0"/>
+                <a:rPr lang="ja-JP" altLang="en-US" sz="1200" dirty="0"/>
                 <a:t>つくれるもの画面　おつかいアイコン不足</a:t>
               </a:r>
-              <a:endParaRPr lang="en-US" altLang="ja-JP" sz="1200" dirty="0" smtClean="0"/>
+              <a:endParaRPr lang="en-US" altLang="ja-JP" sz="1200" dirty="0"/>
             </a:p>
           </p:txBody>
         </p:sp>
@@ -10088,7 +10050,7 @@
             <a:p>
               <a:pPr algn="ctr"/>
               <a:r>
-                <a:rPr lang="ja-JP" altLang="en-US" sz="1050" dirty="0" smtClean="0"/>
+                <a:rPr lang="ja-JP" altLang="en-US" sz="1050" dirty="0"/>
                 <a:t>ゲーム機能の画面を追加</a:t>
               </a:r>
               <a:endParaRPr lang="en-US" altLang="ja-JP" sz="1200" dirty="0"/>
@@ -10134,11 +10096,7 @@
               <a:pPr algn="ctr"/>
               <a:r>
                 <a:rPr lang="en-US" altLang="ja-JP" sz="1050" dirty="0"/>
-                <a:t>(</a:t>
-              </a:r>
-              <a:r>
-                <a:rPr lang="en-US" altLang="ja-JP" sz="1050" dirty="0" smtClean="0"/>
-                <a:t>11/13)</a:t>
+                <a:t>(11/13)</a:t>
               </a:r>
               <a:endParaRPr lang="en-US" altLang="ja-JP" sz="1200" dirty="0"/>
             </a:p>
@@ -10246,10 +10204,9 @@
             <a:p>
               <a:pPr algn="ctr"/>
               <a:r>
-                <a:rPr kumimoji="1" lang="en-US" altLang="ja-JP" sz="1400" dirty="0" smtClean="0"/>
+                <a:rPr kumimoji="1" lang="en-US" altLang="ja-JP" sz="1400" dirty="0"/>
                 <a:t>p.13</a:t>
               </a:r>
-              <a:endParaRPr kumimoji="1" lang="en-US" altLang="ja-JP" sz="1400" dirty="0"/>
             </a:p>
           </p:txBody>
         </p:sp>
@@ -10304,18 +10261,18 @@
             <a:p>
               <a:pPr algn="ctr"/>
               <a:r>
-                <a:rPr lang="ja-JP" altLang="en-US" sz="1200" dirty="0" smtClean="0"/>
+                <a:rPr lang="ja-JP" altLang="en-US" sz="1200" dirty="0"/>
                 <a:t>設定機能</a:t>
               </a:r>
-              <a:endParaRPr lang="en-US" altLang="ja-JP" sz="1200" dirty="0" smtClean="0"/>
+              <a:endParaRPr lang="en-US" altLang="ja-JP" sz="1200" dirty="0"/>
             </a:p>
             <a:p>
               <a:pPr algn="ctr"/>
               <a:r>
-                <a:rPr lang="ja-JP" altLang="en-US" sz="1200" dirty="0" smtClean="0"/>
+                <a:rPr lang="ja-JP" altLang="en-US" sz="1200" dirty="0"/>
                 <a:t>変更画面のテキストボックス不足</a:t>
               </a:r>
-              <a:endParaRPr lang="en-US" altLang="ja-JP" sz="1200" dirty="0" smtClean="0"/>
+              <a:endParaRPr lang="en-US" altLang="ja-JP" sz="1200" dirty="0"/>
             </a:p>
           </p:txBody>
         </p:sp>
@@ -10386,7 +10343,7 @@
             <a:p>
               <a:pPr algn="ctr"/>
               <a:r>
-                <a:rPr lang="ja-JP" altLang="en-US" sz="1200" dirty="0" smtClean="0"/>
+                <a:rPr lang="ja-JP" altLang="en-US" sz="1200" dirty="0"/>
                 <a:t>設定機能の画面を追加</a:t>
               </a:r>
               <a:endParaRPr lang="en-US" altLang="ja-JP" sz="1200" dirty="0"/>
@@ -10432,11 +10389,7 @@
               <a:pPr algn="ctr"/>
               <a:r>
                 <a:rPr lang="en-US" altLang="ja-JP" sz="1050" dirty="0"/>
-                <a:t>(</a:t>
-              </a:r>
-              <a:r>
-                <a:rPr lang="en-US" altLang="ja-JP" sz="1050" dirty="0" smtClean="0"/>
-                <a:t>11/13)</a:t>
+                <a:t>(11/13)</a:t>
               </a:r>
               <a:endParaRPr lang="en-US" altLang="ja-JP" sz="1200" dirty="0"/>
             </a:p>
@@ -10544,10 +10497,9 @@
             <a:p>
               <a:pPr algn="ctr"/>
               <a:r>
-                <a:rPr kumimoji="1" lang="en-US" altLang="ja-JP" sz="1400" dirty="0" smtClean="0"/>
+                <a:rPr kumimoji="1" lang="en-US" altLang="ja-JP" sz="1400" dirty="0"/>
                 <a:t>p.28</a:t>
               </a:r>
-              <a:endParaRPr kumimoji="1" lang="en-US" altLang="ja-JP" sz="1400" dirty="0"/>
             </a:p>
           </p:txBody>
         </p:sp>
@@ -10651,11 +10603,11 @@
           <a:lstStyle/>
           <a:p>
             <a:r>
-              <a:rPr lang="ja-JP" altLang="en-US" sz="1400" dirty="0" smtClean="0"/>
+              <a:rPr lang="ja-JP" altLang="en-US" sz="1400" dirty="0"/>
               <a:t>外部設計書</a:t>
             </a:r>
             <a:r>
-              <a:rPr kumimoji="1" lang="en-US" altLang="ja-JP" sz="1400" dirty="0" smtClean="0"/>
+              <a:rPr kumimoji="1" lang="en-US" altLang="ja-JP" sz="1400" dirty="0"/>
               <a:t>v1</a:t>
             </a:r>
             <a:endParaRPr kumimoji="1" lang="ja-JP" altLang="en-US" sz="1400" dirty="0"/>
@@ -10691,7 +10643,7 @@
           <a:lstStyle/>
           <a:p>
             <a:r>
-              <a:rPr kumimoji="1" lang="en-US" altLang="ja-JP" sz="1400" dirty="0" smtClean="0"/>
+              <a:rPr kumimoji="1" lang="en-US" altLang="ja-JP" sz="1400" dirty="0"/>
               <a:t>A504</a:t>
             </a:r>
             <a:endParaRPr kumimoji="1" lang="ja-JP" altLang="en-US" sz="1400" dirty="0"/>
@@ -11782,35 +11734,31 @@
                   <a:t>年</a:t>
                 </a:r>
                 <a:r>
-                  <a:rPr lang="en-US" altLang="ja-JP" sz="1200" dirty="0" smtClean="0"/>
+                  <a:rPr lang="en-US" altLang="ja-JP" sz="1200" dirty="0"/>
                   <a:t>11</a:t>
                 </a:r>
                 <a:r>
-                  <a:rPr lang="ja-JP" altLang="en-US" sz="1200" dirty="0" smtClean="0"/>
+                  <a:rPr lang="ja-JP" altLang="en-US" sz="1200" dirty="0"/>
                   <a:t>月</a:t>
                 </a:r>
                 <a:r>
-                  <a:rPr lang="en-US" altLang="ja-JP" sz="1200" dirty="0" smtClean="0"/>
+                  <a:rPr lang="en-US" altLang="ja-JP" sz="1200" dirty="0"/>
                   <a:t>13</a:t>
                 </a:r>
                 <a:r>
-                  <a:rPr lang="ja-JP" altLang="en-US" sz="1200" dirty="0" smtClean="0"/>
-                  <a:t>日（火）</a:t>
+                  <a:rPr lang="ja-JP" altLang="en-US" sz="1200" dirty="0"/>
+                  <a:t>日（火）　</a:t>
+                </a:r>
+                <a:r>
+                  <a:rPr lang="en-US" altLang="ja-JP" sz="1200" dirty="0"/>
+                  <a:t>14</a:t>
                 </a:r>
                 <a:r>
                   <a:rPr lang="ja-JP" altLang="en-US" sz="1200" dirty="0"/>
-                  <a:t>　</a:t>
-                </a:r>
-                <a:r>
-                  <a:rPr lang="en-US" altLang="ja-JP" sz="1200" dirty="0" smtClean="0"/>
-                  <a:t>14</a:t>
-                </a:r>
-                <a:r>
-                  <a:rPr lang="ja-JP" altLang="en-US" sz="1200" dirty="0" smtClean="0"/>
                   <a:t>：</a:t>
                 </a:r>
                 <a:r>
-                  <a:rPr lang="en-US" altLang="ja-JP" sz="1200" dirty="0" smtClean="0"/>
+                  <a:rPr lang="en-US" altLang="ja-JP" sz="1200" dirty="0"/>
                   <a:t>10</a:t>
                 </a:r>
                 <a:r>
@@ -11818,20 +11766,16 @@
                   <a:t>　～　</a:t>
                 </a:r>
                 <a:r>
-                  <a:rPr lang="en-US" altLang="ja-JP" sz="1200" dirty="0" smtClean="0"/>
+                  <a:rPr lang="en-US" altLang="ja-JP" sz="1200" dirty="0"/>
                   <a:t>16</a:t>
                 </a:r>
                 <a:r>
-                  <a:rPr lang="ja-JP" altLang="en-US" sz="1200" dirty="0" smtClean="0"/>
+                  <a:rPr lang="ja-JP" altLang="en-US" sz="1200" dirty="0"/>
                   <a:t>：</a:t>
                 </a:r>
                 <a:r>
                   <a:rPr lang="en-US" altLang="ja-JP" sz="1200" dirty="0"/>
-                  <a:t>0</a:t>
-                </a:r>
-                <a:r>
-                  <a:rPr lang="en-US" altLang="ja-JP" sz="1200" dirty="0" smtClean="0"/>
-                  <a:t>0</a:t>
+                  <a:t>00</a:t>
                 </a:r>
                 <a:r>
                   <a:rPr lang="ja-JP" altLang="en-US" sz="1200" dirty="0"/>
@@ -12473,18 +12417,9 @@
               <a:p>
                 <a:pPr eaLnBrk="1" hangingPunct="1"/>
                 <a:r>
-                  <a:rPr lang="ja-JP" altLang="en-US" sz="1200" dirty="0" smtClean="0"/>
-                  <a:t>レビュ</a:t>
+                  <a:rPr lang="ja-JP" altLang="en-US" sz="1200" dirty="0"/>
+                  <a:t>レビュー対象物</a:t>
                 </a:r>
-                <a:r>
-                  <a:rPr lang="ja-JP" altLang="en-US" sz="1200" dirty="0"/>
-                  <a:t>ー</a:t>
-                </a:r>
-                <a:r>
-                  <a:rPr lang="ja-JP" altLang="en-US" sz="1200" dirty="0" smtClean="0"/>
-                  <a:t>対象物</a:t>
-                </a:r>
-                <a:endParaRPr lang="ja-JP" altLang="en-US" sz="1200" dirty="0"/>
               </a:p>
             </p:txBody>
           </p:sp>
@@ -15416,31 +15351,23 @@
             <a:p>
               <a:pPr algn="ctr"/>
               <a:r>
-                <a:rPr lang="ja-JP" altLang="en-US" sz="1200" dirty="0" smtClean="0"/>
-                <a:t>「</a:t>
+                <a:rPr lang="ja-JP" altLang="en-US" sz="1200" dirty="0"/>
+                <a:t>「～の画面」の後に「</a:t>
+              </a:r>
+              <a:r>
+                <a:rPr lang="en-US" altLang="ja-JP" sz="1200" dirty="0"/>
+                <a:t>(</a:t>
               </a:r>
               <a:r>
                 <a:rPr lang="ja-JP" altLang="en-US" sz="1200" dirty="0"/>
-                <a:t>～</a:t>
-              </a:r>
-              <a:r>
-                <a:rPr lang="ja-JP" altLang="en-US" sz="1200" dirty="0" smtClean="0"/>
-                <a:t>の画面」の後に「</a:t>
-              </a:r>
-              <a:r>
-                <a:rPr lang="en-US" altLang="ja-JP" sz="1200" dirty="0" smtClean="0"/>
-                <a:t>(</a:t>
-              </a:r>
-              <a:r>
-                <a:rPr lang="ja-JP" altLang="en-US" sz="1200" dirty="0" smtClean="0"/>
                 <a:t>図～</a:t>
               </a:r>
               <a:r>
-                <a:rPr lang="en-US" altLang="ja-JP" sz="1200" dirty="0" smtClean="0"/>
+                <a:rPr lang="en-US" altLang="ja-JP" sz="1200" dirty="0"/>
                 <a:t>)</a:t>
               </a:r>
               <a:r>
-                <a:rPr lang="ja-JP" altLang="en-US" sz="1200" dirty="0" smtClean="0"/>
+                <a:rPr lang="ja-JP" altLang="en-US" sz="1200" dirty="0"/>
                 <a:t>」記述を統一</a:t>
               </a:r>
               <a:endParaRPr lang="en-US" altLang="ja-JP" sz="1200" dirty="0"/>
@@ -15477,10 +15404,10 @@
             <a:p>
               <a:pPr algn="ctr"/>
               <a:r>
-                <a:rPr lang="ja-JP" altLang="en-US" sz="1200" dirty="0" smtClean="0"/>
+                <a:rPr lang="ja-JP" altLang="en-US" sz="1200" dirty="0"/>
                 <a:t>本城</a:t>
               </a:r>
-              <a:endParaRPr lang="en-US" altLang="ja-JP" sz="1200" dirty="0" smtClean="0"/>
+              <a:endParaRPr lang="en-US" altLang="ja-JP" sz="1200" dirty="0"/>
             </a:p>
             <a:p>
               <a:pPr algn="ctr"/>
@@ -15522,22 +15449,22 @@
             <a:p>
               <a:pPr algn="ctr"/>
               <a:r>
-                <a:rPr lang="ja-JP" altLang="en-US" sz="1200" dirty="0" smtClean="0"/>
+                <a:rPr lang="ja-JP" altLang="en-US" sz="1200" dirty="0"/>
                 <a:t>追加で記述しました</a:t>
               </a:r>
               <a:r>
-                <a:rPr lang="en-US" altLang="ja-JP" sz="1200" dirty="0" smtClean="0"/>
+                <a:rPr lang="en-US" altLang="ja-JP" sz="1200" dirty="0"/>
                 <a:t>(11/14)</a:t>
               </a:r>
             </a:p>
             <a:p>
               <a:pPr algn="ctr"/>
               <a:r>
-                <a:rPr lang="ja-JP" altLang="en-US" sz="1200" dirty="0" smtClean="0"/>
+                <a:rPr lang="ja-JP" altLang="en-US" sz="1200" dirty="0"/>
                 <a:t>追加で記述しました</a:t>
               </a:r>
               <a:r>
-                <a:rPr lang="en-US" altLang="ja-JP" sz="1200" dirty="0" smtClean="0"/>
+                <a:rPr lang="en-US" altLang="ja-JP" sz="1200" dirty="0"/>
                 <a:t>(11/15)</a:t>
               </a:r>
             </a:p>
@@ -15573,22 +15500,17 @@
             <a:p>
               <a:pPr algn="ctr"/>
               <a:r>
-                <a:rPr lang="ja-JP" altLang="en-US" sz="1050" dirty="0" smtClean="0"/>
-                <a:t>今</a:t>
+                <a:rPr lang="ja-JP" altLang="en-US" sz="1050" dirty="0"/>
+                <a:t>今井</a:t>
               </a:r>
-              <a:r>
-                <a:rPr lang="ja-JP" altLang="en-US" sz="1050" dirty="0"/>
-                <a:t>井</a:t>
-              </a:r>
-              <a:endParaRPr lang="en-US" altLang="ja-JP" sz="1050" dirty="0" smtClean="0"/>
+              <a:endParaRPr lang="en-US" altLang="ja-JP" sz="1050" dirty="0"/>
             </a:p>
             <a:p>
               <a:pPr algn="ctr"/>
               <a:r>
-                <a:rPr lang="en-US" altLang="ja-JP" sz="1050" dirty="0" smtClean="0"/>
+                <a:rPr lang="en-US" altLang="ja-JP" sz="1050" dirty="0"/>
                 <a:t>(11/15)</a:t>
               </a:r>
-              <a:endParaRPr lang="en-US" altLang="ja-JP" sz="1050" dirty="0"/>
             </a:p>
           </p:txBody>
         </p:sp>
@@ -15679,18 +15601,14 @@
             <a:p>
               <a:pPr algn="ctr"/>
               <a:r>
-                <a:rPr lang="ja-JP" altLang="en-US" sz="1200" dirty="0" smtClean="0"/>
+                <a:rPr lang="ja-JP" altLang="en-US" sz="1200" dirty="0"/>
                 <a:t>新しい画面の追加</a:t>
               </a:r>
-              <a:r>
-                <a:rPr lang="en-US" altLang="ja-JP" sz="1200" dirty="0" smtClean="0"/>
-                <a:t/>
-              </a:r>
               <a:br>
-                <a:rPr lang="en-US" altLang="ja-JP" sz="1200" dirty="0" smtClean="0"/>
+                <a:rPr lang="en-US" altLang="ja-JP" sz="1200" dirty="0"/>
               </a:br>
               <a:r>
-                <a:rPr lang="ja-JP" altLang="en-US" sz="1200" dirty="0" smtClean="0"/>
+                <a:rPr lang="ja-JP" altLang="en-US" sz="1200" dirty="0"/>
                 <a:t>アルバム画面不足　共有画面は不要</a:t>
               </a:r>
               <a:endParaRPr lang="en-US" altLang="ja-JP" sz="1200" dirty="0"/>
@@ -15727,7 +15645,7 @@
             <a:p>
               <a:pPr algn="ctr"/>
               <a:r>
-                <a:rPr lang="ja-JP" altLang="en-US" sz="1200" dirty="0" smtClean="0"/>
+                <a:rPr lang="ja-JP" altLang="en-US" sz="1200" dirty="0"/>
                 <a:t>別役</a:t>
               </a:r>
               <a:endParaRPr lang="en-US" altLang="ja-JP" sz="1200" dirty="0"/>
@@ -15764,7 +15682,7 @@
             <a:p>
               <a:pPr algn="ctr"/>
               <a:r>
-                <a:rPr lang="ja-JP" altLang="en-US" sz="1200" dirty="0" smtClean="0"/>
+                <a:rPr lang="ja-JP" altLang="en-US" sz="1200" dirty="0"/>
                 <a:t>コメント入力画面を追加</a:t>
               </a:r>
               <a:endParaRPr lang="en-US" altLang="ja-JP" sz="1200" dirty="0"/>
@@ -15801,12 +15719,8 @@
             <a:p>
               <a:pPr algn="ctr"/>
               <a:r>
-                <a:rPr lang="ja-JP" altLang="en-US" sz="1050" dirty="0" smtClean="0"/>
-                <a:t>今</a:t>
-              </a:r>
-              <a:r>
                 <a:rPr lang="ja-JP" altLang="en-US" sz="1050" dirty="0"/>
-                <a:t>井</a:t>
+                <a:t>今井</a:t>
               </a:r>
               <a:endParaRPr lang="en-US" altLang="ja-JP" sz="1050" dirty="0"/>
             </a:p>
@@ -15814,11 +15728,7 @@
               <a:pPr algn="ctr"/>
               <a:r>
                 <a:rPr lang="en-US" altLang="ja-JP" sz="1050" dirty="0"/>
-                <a:t>(</a:t>
-              </a:r>
-              <a:r>
-                <a:rPr lang="en-US" altLang="ja-JP" sz="1050" dirty="0" smtClean="0"/>
-                <a:t>11/15)</a:t>
+                <a:t>(11/15)</a:t>
               </a:r>
               <a:endParaRPr lang="en-US" altLang="ja-JP" sz="1200" dirty="0"/>
             </a:p>
@@ -15947,27 +15857,27 @@
             <a:p>
               <a:pPr algn="ctr"/>
               <a:r>
-                <a:rPr lang="ja-JP" altLang="en-US" sz="1200" dirty="0" smtClean="0"/>
+                <a:rPr lang="ja-JP" altLang="en-US" sz="1200" dirty="0"/>
                 <a:t>画像修正</a:t>
               </a:r>
               <a:r>
-                <a:rPr lang="en-US" altLang="ja-JP" sz="1200" dirty="0" smtClean="0"/>
+                <a:rPr lang="en-US" altLang="ja-JP" sz="1200" dirty="0"/>
                 <a:t>(</a:t>
               </a:r>
               <a:r>
-                <a:rPr lang="ja-JP" altLang="en-US" sz="1200" dirty="0" smtClean="0"/>
+                <a:rPr lang="ja-JP" altLang="en-US" sz="1200" dirty="0"/>
                 <a:t>背景追加、</a:t>
               </a:r>
-              <a:endParaRPr lang="en-US" altLang="ja-JP" sz="1200" dirty="0" smtClean="0"/>
+              <a:endParaRPr lang="en-US" altLang="ja-JP" sz="1200" dirty="0"/>
             </a:p>
             <a:p>
               <a:pPr algn="ctr"/>
               <a:r>
-                <a:rPr lang="ja-JP" altLang="en-US" sz="1200" dirty="0" smtClean="0"/>
+                <a:rPr lang="ja-JP" altLang="en-US" sz="1200" dirty="0"/>
                 <a:t>アルバムコメント追加、スマホ形状統一、おつかい素材追加</a:t>
               </a:r>
               <a:r>
-                <a:rPr lang="en-US" altLang="ja-JP" sz="1200" dirty="0" smtClean="0"/>
+                <a:rPr lang="en-US" altLang="ja-JP" sz="1200" dirty="0"/>
                 <a:t>)</a:t>
               </a:r>
             </a:p>
@@ -16040,11 +15950,11 @@
             <a:p>
               <a:pPr algn="ctr"/>
               <a:r>
-                <a:rPr lang="ja-JP" altLang="en-US" sz="1050" dirty="0" smtClean="0"/>
+                <a:rPr lang="ja-JP" altLang="en-US" sz="1050" dirty="0"/>
                 <a:t>全画像修正しました</a:t>
               </a:r>
               <a:r>
-                <a:rPr lang="en-US" altLang="ja-JP" sz="1050" dirty="0" smtClean="0"/>
+                <a:rPr lang="en-US" altLang="ja-JP" sz="1050" dirty="0"/>
                 <a:t>(11/14)</a:t>
               </a:r>
               <a:endParaRPr lang="en-US" altLang="ja-JP" sz="1200" dirty="0"/>
@@ -16090,11 +16000,7 @@
               <a:pPr algn="ctr"/>
               <a:r>
                 <a:rPr lang="en-US" altLang="ja-JP" sz="1050" dirty="0"/>
-                <a:t>(</a:t>
-              </a:r>
-              <a:r>
-                <a:rPr lang="en-US" altLang="ja-JP" sz="1050" dirty="0" smtClean="0"/>
-                <a:t>11/15 )</a:t>
+                <a:t>(11/15 )</a:t>
               </a:r>
               <a:endParaRPr lang="en-US" altLang="ja-JP" sz="1200" dirty="0"/>
             </a:p>
@@ -16203,7 +16109,7 @@
           <a:p>
             <a:pPr algn="ctr"/>
             <a:r>
-              <a:rPr lang="en-US" altLang="ja-JP" sz="1400" dirty="0" smtClean="0"/>
+              <a:rPr lang="en-US" altLang="ja-JP" sz="1400" dirty="0"/>
               <a:t>p.19</a:t>
             </a:r>
             <a:endParaRPr kumimoji="1" lang="en-US" altLang="ja-JP" sz="1400" dirty="0"/>
@@ -16270,16 +16176,12 @@
           <a:p>
             <a:pPr algn="ctr"/>
             <a:r>
-              <a:rPr kumimoji="1" lang="en-US" altLang="ja-JP" sz="1600" dirty="0" smtClean="0"/>
+              <a:rPr kumimoji="1" lang="en-US" altLang="ja-JP" sz="1600" dirty="0"/>
               <a:t>3</a:t>
             </a:r>
             <a:r>
               <a:rPr kumimoji="1" lang="ja-JP" altLang="en-US" sz="1600" dirty="0"/>
-              <a:t>　　</a:t>
-            </a:r>
-            <a:r>
-              <a:rPr kumimoji="1" lang="ja-JP" altLang="en-US" sz="1600" dirty="0" smtClean="0"/>
-              <a:t>　</a:t>
+              <a:t>　　　</a:t>
             </a:r>
             <a:r>
               <a:rPr lang="en-US" altLang="ja-JP" sz="1600" dirty="0"/>
@@ -16318,11 +16220,11 @@
           <a:lstStyle/>
           <a:p>
             <a:r>
-              <a:rPr lang="ja-JP" altLang="en-US" sz="1400" dirty="0" smtClean="0"/>
+              <a:rPr lang="ja-JP" altLang="en-US" sz="1400" dirty="0"/>
               <a:t>外部設計書</a:t>
             </a:r>
             <a:r>
-              <a:rPr kumimoji="1" lang="en-US" altLang="ja-JP" sz="1400" dirty="0" smtClean="0"/>
+              <a:rPr kumimoji="1" lang="en-US" altLang="ja-JP" sz="1400" dirty="0"/>
               <a:t>v1</a:t>
             </a:r>
             <a:endParaRPr kumimoji="1" lang="ja-JP" altLang="en-US" sz="1400" dirty="0"/>
@@ -16358,7 +16260,7 @@
           <a:lstStyle/>
           <a:p>
             <a:r>
-              <a:rPr kumimoji="1" lang="en-US" altLang="ja-JP" sz="1400" dirty="0" smtClean="0"/>
+              <a:rPr kumimoji="1" lang="en-US" altLang="ja-JP" sz="1400" dirty="0"/>
               <a:t>A556</a:t>
             </a:r>
             <a:endParaRPr kumimoji="1" lang="ja-JP" altLang="en-US" sz="1400" dirty="0"/>
@@ -17449,63 +17351,47 @@
                   <a:t>年</a:t>
                 </a:r>
                 <a:r>
-                  <a:rPr lang="en-US" altLang="ja-JP" sz="1200" dirty="0" smtClean="0"/>
+                  <a:rPr lang="en-US" altLang="ja-JP" sz="1200" dirty="0"/>
                   <a:t>11</a:t>
                 </a:r>
                 <a:r>
-                  <a:rPr lang="ja-JP" altLang="en-US" sz="1200" dirty="0" smtClean="0"/>
+                  <a:rPr lang="ja-JP" altLang="en-US" sz="1200" dirty="0"/>
                   <a:t>月</a:t>
                 </a:r>
                 <a:r>
-                  <a:rPr lang="en-US" altLang="ja-JP" sz="1200" dirty="0" smtClean="0"/>
+                  <a:rPr lang="en-US" altLang="ja-JP" sz="1200" dirty="0"/>
                   <a:t>15</a:t>
                 </a:r>
                 <a:r>
-                  <a:rPr lang="ja-JP" altLang="en-US" sz="1200" dirty="0" smtClean="0"/>
-                  <a:t>日（</a:t>
+                  <a:rPr lang="ja-JP" altLang="en-US" sz="1200" dirty="0"/>
+                  <a:t>日（木）　</a:t>
+                </a:r>
+                <a:r>
+                  <a:rPr lang="en-US" altLang="ja-JP" sz="1200" dirty="0"/>
+                  <a:t>13</a:t>
                 </a:r>
                 <a:r>
                   <a:rPr lang="ja-JP" altLang="en-US" sz="1200" dirty="0"/>
-                  <a:t>木</a:t>
-                </a:r>
-                <a:r>
-                  <a:rPr lang="ja-JP" altLang="en-US" sz="1200" dirty="0" smtClean="0"/>
-                  <a:t>）</a:t>
-                </a:r>
-                <a:r>
-                  <a:rPr lang="ja-JP" altLang="en-US" sz="1200" dirty="0"/>
-                  <a:t>　</a:t>
-                </a:r>
-                <a:r>
-                  <a:rPr lang="en-US" altLang="ja-JP" sz="1200" dirty="0" smtClean="0"/>
-                  <a:t>13</a:t>
-                </a:r>
-                <a:r>
-                  <a:rPr lang="ja-JP" altLang="en-US" sz="1200" dirty="0" smtClean="0"/>
                   <a:t>：</a:t>
                 </a:r>
                 <a:r>
                   <a:rPr lang="en-US" altLang="ja-JP" sz="1200" dirty="0"/>
-                  <a:t>0</a:t>
-                </a:r>
-                <a:r>
-                  <a:rPr lang="en-US" altLang="ja-JP" sz="1200" dirty="0" smtClean="0"/>
-                  <a:t>0</a:t>
+                  <a:t>00</a:t>
                 </a:r>
                 <a:r>
                   <a:rPr lang="ja-JP" altLang="en-US" sz="1200" dirty="0"/>
                   <a:t>　～　</a:t>
                 </a:r>
                 <a:r>
-                  <a:rPr lang="en-US" altLang="ja-JP" sz="1200" dirty="0" smtClean="0"/>
+                  <a:rPr lang="en-US" altLang="ja-JP" sz="1200" dirty="0"/>
                   <a:t>15</a:t>
                 </a:r>
                 <a:r>
-                  <a:rPr lang="ja-JP" altLang="en-US" sz="1200" dirty="0" smtClean="0"/>
+                  <a:rPr lang="ja-JP" altLang="en-US" sz="1200" dirty="0"/>
                   <a:t>：</a:t>
                 </a:r>
                 <a:r>
-                  <a:rPr lang="en-US" altLang="ja-JP" sz="1200" dirty="0" smtClean="0"/>
+                  <a:rPr lang="en-US" altLang="ja-JP" sz="1200" dirty="0"/>
                   <a:t>30</a:t>
                 </a:r>
                 <a:r>
@@ -18148,18 +18034,9 @@
               <a:p>
                 <a:pPr eaLnBrk="1" hangingPunct="1"/>
                 <a:r>
-                  <a:rPr lang="ja-JP" altLang="en-US" sz="1200" dirty="0" smtClean="0"/>
-                  <a:t>レビュ</a:t>
+                  <a:rPr lang="ja-JP" altLang="en-US" sz="1200" dirty="0"/>
+                  <a:t>レビュー対象物</a:t>
                 </a:r>
-                <a:r>
-                  <a:rPr lang="ja-JP" altLang="en-US" sz="1200" dirty="0"/>
-                  <a:t>ー</a:t>
-                </a:r>
-                <a:r>
-                  <a:rPr lang="ja-JP" altLang="en-US" sz="1200" dirty="0" smtClean="0"/>
-                  <a:t>対象物</a:t>
-                </a:r>
-                <a:endParaRPr lang="ja-JP" altLang="en-US" sz="1200" dirty="0"/>
               </a:p>
             </p:txBody>
           </p:sp>
@@ -18371,13 +18248,8 @@
                 <a:pPr eaLnBrk="1" hangingPunct="1"/>
                 <a:r>
                   <a:rPr lang="ja-JP" altLang="en-US" sz="1200" dirty="0"/>
-                  <a:t>通番　　　　</a:t>
+                  <a:t>通番　　　　／</a:t>
                 </a:r>
-                <a:r>
-                  <a:rPr lang="ja-JP" altLang="en-US" sz="1200" dirty="0" smtClean="0"/>
-                  <a:t>／</a:t>
-                </a:r>
-                <a:endParaRPr lang="ja-JP" altLang="en-US" sz="1200" dirty="0"/>
               </a:p>
             </p:txBody>
           </p:sp>
@@ -21096,19 +20968,19 @@
             <a:p>
               <a:pPr algn="ctr"/>
               <a:r>
-                <a:rPr lang="en-US" altLang="ja-JP" sz="1200" dirty="0" smtClean="0"/>
+                <a:rPr lang="en-US" altLang="ja-JP" sz="1200" dirty="0"/>
                 <a:t>UI</a:t>
               </a:r>
               <a:r>
-                <a:rPr lang="ja-JP" altLang="en-US" sz="1200" dirty="0" smtClean="0"/>
+                <a:rPr lang="ja-JP" altLang="en-US" sz="1200" dirty="0"/>
                 <a:t>のゲーム　画像の修正が必要</a:t>
               </a:r>
-              <a:endParaRPr lang="en-US" altLang="ja-JP" sz="1200" dirty="0" smtClean="0"/>
+              <a:endParaRPr lang="en-US" altLang="ja-JP" sz="1200" dirty="0"/>
             </a:p>
             <a:p>
               <a:pPr algn="ctr"/>
               <a:r>
-                <a:rPr lang="ja-JP" altLang="en-US" sz="1200" dirty="0" smtClean="0"/>
+                <a:rPr lang="ja-JP" altLang="en-US" sz="1200" dirty="0"/>
                 <a:t>箇条書きに修正するべき</a:t>
               </a:r>
               <a:endParaRPr lang="en-US" altLang="ja-JP" sz="1200" dirty="0"/>
@@ -21148,7 +21020,7 @@
                 <a:rPr lang="ja-JP" altLang="en-US" sz="1200" dirty="0"/>
                 <a:t>横田</a:t>
               </a:r>
-              <a:endParaRPr lang="en-US" altLang="ja-JP" sz="1200" dirty="0" smtClean="0"/>
+              <a:endParaRPr lang="en-US" altLang="ja-JP" sz="1200" dirty="0"/>
             </a:p>
           </p:txBody>
         </p:sp>
@@ -21182,10 +21054,10 @@
             <a:p>
               <a:pPr algn="ctr"/>
               <a:r>
-                <a:rPr lang="ja-JP" altLang="en-US" sz="1200" dirty="0" smtClean="0"/>
+                <a:rPr lang="ja-JP" altLang="en-US" sz="1200" dirty="0"/>
                 <a:t>箇条書きに修正しました</a:t>
               </a:r>
-              <a:endParaRPr lang="en-US" altLang="ja-JP" sz="1200" dirty="0" smtClean="0"/>
+              <a:endParaRPr lang="en-US" altLang="ja-JP" sz="1200" dirty="0"/>
             </a:p>
           </p:txBody>
         </p:sp>
@@ -21219,18 +21091,17 @@
             <a:p>
               <a:pPr algn="ctr"/>
               <a:r>
-                <a:rPr lang="ja-JP" altLang="en-US" sz="1050" dirty="0" smtClean="0"/>
+                <a:rPr lang="ja-JP" altLang="en-US" sz="1050" dirty="0"/>
                 <a:t>井上</a:t>
               </a:r>
-              <a:endParaRPr lang="en-US" altLang="ja-JP" sz="1050" dirty="0" smtClean="0"/>
+              <a:endParaRPr lang="en-US" altLang="ja-JP" sz="1050" dirty="0"/>
             </a:p>
             <a:p>
               <a:pPr algn="ctr"/>
               <a:r>
-                <a:rPr lang="en-US" altLang="ja-JP" sz="1050" dirty="0" smtClean="0"/>
+                <a:rPr lang="en-US" altLang="ja-JP" sz="1050" dirty="0"/>
                 <a:t>(11/16)</a:t>
               </a:r>
-              <a:endParaRPr lang="en-US" altLang="ja-JP" sz="1050" dirty="0"/>
             </a:p>
           </p:txBody>
         </p:sp>
@@ -21300,7 +21171,7 @@
             <a:p>
               <a:pPr algn="ctr"/>
               <a:r>
-                <a:rPr lang="en-US" altLang="ja-JP" sz="1400" dirty="0" smtClean="0"/>
+                <a:rPr lang="en-US" altLang="ja-JP" sz="1400" dirty="0"/>
                 <a:t>p.9-18</a:t>
               </a:r>
               <a:endParaRPr kumimoji="1" lang="en-US" altLang="ja-JP" sz="1400" dirty="0"/>
@@ -21358,15 +21229,15 @@
             <a:p>
               <a:pPr algn="ctr"/>
               <a:r>
-                <a:rPr lang="ja-JP" altLang="en-US" sz="1200" dirty="0" smtClean="0"/>
+                <a:rPr lang="ja-JP" altLang="en-US" sz="1200" dirty="0"/>
                 <a:t>不要なデータテーブルの削除が必要</a:t>
               </a:r>
-              <a:endParaRPr lang="en-US" altLang="ja-JP" sz="1200" dirty="0" smtClean="0"/>
+              <a:endParaRPr lang="en-US" altLang="ja-JP" sz="1200" dirty="0"/>
             </a:p>
             <a:p>
               <a:pPr algn="ctr"/>
               <a:r>
-                <a:rPr lang="ja-JP" altLang="en-US" sz="1200" dirty="0" smtClean="0"/>
+                <a:rPr lang="ja-JP" altLang="en-US" sz="1200" dirty="0"/>
                 <a:t>日付のデータテーブルが不足</a:t>
               </a:r>
               <a:endParaRPr lang="en-US" altLang="ja-JP" sz="1200" dirty="0"/>
@@ -21440,15 +21311,15 @@
             <a:p>
               <a:pPr algn="ctr"/>
               <a:r>
-                <a:rPr lang="ja-JP" altLang="en-US" sz="1200" dirty="0" smtClean="0"/>
+                <a:rPr lang="ja-JP" altLang="en-US" sz="1200" dirty="0"/>
                 <a:t>データテーブルの修正を</a:t>
               </a:r>
-              <a:endParaRPr lang="en-US" altLang="ja-JP" sz="1200" dirty="0" smtClean="0"/>
+              <a:endParaRPr lang="en-US" altLang="ja-JP" sz="1200" dirty="0"/>
             </a:p>
             <a:p>
               <a:pPr algn="ctr"/>
               <a:r>
-                <a:rPr lang="ja-JP" altLang="en-US" sz="1200" dirty="0" smtClean="0"/>
+                <a:rPr lang="ja-JP" altLang="en-US" sz="1200" dirty="0"/>
                 <a:t>行いました</a:t>
               </a:r>
               <a:endParaRPr lang="en-US" altLang="ja-JP" sz="1200" dirty="0"/>
@@ -21485,7 +21356,7 @@
             <a:p>
               <a:pPr algn="ctr"/>
               <a:r>
-                <a:rPr lang="ja-JP" altLang="en-US" sz="1050" dirty="0" smtClean="0"/>
+                <a:rPr lang="ja-JP" altLang="en-US" sz="1050" dirty="0"/>
                 <a:t>今井</a:t>
               </a:r>
               <a:endParaRPr lang="en-US" altLang="ja-JP" sz="1050" dirty="0"/>
@@ -21494,11 +21365,7 @@
               <a:pPr algn="ctr"/>
               <a:r>
                 <a:rPr lang="en-US" altLang="ja-JP" sz="1050" dirty="0"/>
-                <a:t>(</a:t>
-              </a:r>
-              <a:r>
-                <a:rPr lang="en-US" altLang="ja-JP" sz="1050" dirty="0" smtClean="0"/>
-                <a:t>11/17)</a:t>
+                <a:t>(11/17)</a:t>
               </a:r>
               <a:endParaRPr lang="en-US" altLang="ja-JP" sz="1200" dirty="0"/>
             </a:p>
@@ -21606,7 +21473,7 @@
             <a:p>
               <a:pPr algn="ctr"/>
               <a:r>
-                <a:rPr lang="en-US" altLang="ja-JP" sz="1400" dirty="0" smtClean="0"/>
+                <a:rPr lang="en-US" altLang="ja-JP" sz="1400" dirty="0"/>
                 <a:t>p.34</a:t>
               </a:r>
               <a:endParaRPr kumimoji="1" lang="en-US" altLang="ja-JP" sz="1400" dirty="0"/>
@@ -21679,11 +21546,7 @@
             </a:r>
             <a:r>
               <a:rPr kumimoji="1" lang="ja-JP" altLang="en-US" sz="1600" dirty="0"/>
-              <a:t>　　</a:t>
-            </a:r>
-            <a:r>
-              <a:rPr kumimoji="1" lang="ja-JP" altLang="en-US" sz="1600" dirty="0" smtClean="0"/>
-              <a:t>　</a:t>
+              <a:t>　　　</a:t>
             </a:r>
             <a:r>
               <a:rPr lang="en-US" altLang="ja-JP" sz="1600" dirty="0"/>
@@ -21722,11 +21585,11 @@
           <a:lstStyle/>
           <a:p>
             <a:r>
-              <a:rPr lang="ja-JP" altLang="en-US" sz="1400" dirty="0" smtClean="0"/>
+              <a:rPr lang="ja-JP" altLang="en-US" sz="1400" dirty="0"/>
               <a:t>外部設計書</a:t>
             </a:r>
             <a:r>
-              <a:rPr kumimoji="1" lang="en-US" altLang="ja-JP" sz="1400" dirty="0" smtClean="0"/>
+              <a:rPr kumimoji="1" lang="en-US" altLang="ja-JP" sz="1400" dirty="0"/>
               <a:t>v1</a:t>
             </a:r>
             <a:endParaRPr kumimoji="1" lang="ja-JP" altLang="en-US" sz="1400" dirty="0"/>
@@ -21762,11 +21625,11 @@
           <a:lstStyle/>
           <a:p>
             <a:r>
-              <a:rPr lang="en-US" altLang="ja-JP" sz="1400" dirty="0" smtClean="0"/>
+              <a:rPr lang="en-US" altLang="ja-JP" sz="1400" dirty="0"/>
               <a:t>LINE</a:t>
             </a:r>
             <a:r>
-              <a:rPr lang="ja-JP" altLang="en-US" sz="1400" dirty="0" smtClean="0"/>
+              <a:rPr lang="ja-JP" altLang="en-US" sz="1400" dirty="0"/>
               <a:t>上</a:t>
             </a:r>
             <a:endParaRPr kumimoji="1" lang="ja-JP" altLang="en-US" sz="1400" dirty="0"/>
@@ -22633,15 +22496,7 @@
                 <a:pPr algn="ctr" eaLnBrk="1" hangingPunct="1"/>
                 <a:r>
                   <a:rPr lang="ja-JP" altLang="en-US" sz="2800" b="1" dirty="0"/>
-                  <a:t>レ　ビ　ュ　</a:t>
-                </a:r>
-                <a:r>
-                  <a:rPr lang="ja-JP" altLang="en-US" sz="2800" b="1" dirty="0" smtClean="0"/>
-                  <a:t>記</a:t>
-                </a:r>
-                <a:r>
-                  <a:rPr lang="ja-JP" altLang="en-US" sz="2800" b="1" dirty="0"/>
-                  <a:t>　録　表</a:t>
+                  <a:t>レ　ビ　ュ　記　録　表</a:t>
                 </a:r>
               </a:p>
             </p:txBody>
@@ -22865,67 +22720,47 @@
                   <a:t>年</a:t>
                 </a:r>
                 <a:r>
-                  <a:rPr lang="en-US" altLang="ja-JP" sz="1200" dirty="0" smtClean="0"/>
+                  <a:rPr lang="en-US" altLang="ja-JP" sz="1200" dirty="0"/>
                   <a:t>11</a:t>
                 </a:r>
                 <a:r>
-                  <a:rPr lang="ja-JP" altLang="en-US" sz="1200" dirty="0" smtClean="0"/>
+                  <a:rPr lang="ja-JP" altLang="en-US" sz="1200" dirty="0"/>
                   <a:t>月</a:t>
                 </a:r>
                 <a:r>
-                  <a:rPr lang="en-US" altLang="ja-JP" sz="1200" dirty="0" smtClean="0"/>
+                  <a:rPr lang="en-US" altLang="ja-JP" sz="1200" dirty="0"/>
                   <a:t>17</a:t>
                 </a:r>
                 <a:r>
-                  <a:rPr lang="ja-JP" altLang="en-US" sz="1200" dirty="0" smtClean="0"/>
-                  <a:t>日</a:t>
+                  <a:rPr lang="ja-JP" altLang="en-US" sz="1200" dirty="0"/>
+                  <a:t>日（木）　</a:t>
                 </a:r>
                 <a:r>
-                  <a:rPr lang="ja-JP" altLang="en-US" sz="1200" dirty="0" smtClean="0"/>
-                  <a:t>（</a:t>
+                  <a:rPr lang="en-US" altLang="ja-JP" sz="1200" dirty="0"/>
+                  <a:t>13</a:t>
                 </a:r>
                 <a:r>
                   <a:rPr lang="ja-JP" altLang="en-US" sz="1200" dirty="0"/>
-                  <a:t>木</a:t>
-                </a:r>
-                <a:r>
-                  <a:rPr lang="ja-JP" altLang="en-US" sz="1200" dirty="0" smtClean="0"/>
-                  <a:t>）</a:t>
-                </a:r>
-                <a:r>
-                  <a:rPr lang="ja-JP" altLang="en-US" sz="1200" dirty="0"/>
-                  <a:t>　</a:t>
-                </a:r>
-                <a:r>
-                  <a:rPr lang="en-US" altLang="ja-JP" sz="1200" dirty="0" smtClean="0"/>
-                  <a:t>13</a:t>
-                </a:r>
-                <a:r>
-                  <a:rPr lang="ja-JP" altLang="en-US" sz="1200" dirty="0" smtClean="0"/>
                   <a:t>：</a:t>
                 </a:r>
                 <a:r>
                   <a:rPr lang="en-US" altLang="ja-JP" sz="1200" dirty="0"/>
-                  <a:t>0</a:t>
-                </a:r>
-                <a:r>
-                  <a:rPr lang="en-US" altLang="ja-JP" sz="1200" dirty="0" smtClean="0"/>
-                  <a:t>0</a:t>
+                  <a:t>00</a:t>
                 </a:r>
                 <a:r>
                   <a:rPr lang="ja-JP" altLang="en-US" sz="1200" dirty="0"/>
                   <a:t>　～　</a:t>
                 </a:r>
                 <a:r>
-                  <a:rPr lang="en-US" altLang="ja-JP" sz="1200" dirty="0" smtClean="0"/>
+                  <a:rPr lang="en-US" altLang="ja-JP" sz="1200" dirty="0"/>
                   <a:t>15</a:t>
                 </a:r>
                 <a:r>
-                  <a:rPr lang="ja-JP" altLang="en-US" sz="1200" dirty="0" smtClean="0"/>
+                  <a:rPr lang="ja-JP" altLang="en-US" sz="1200" dirty="0"/>
                   <a:t>：</a:t>
                 </a:r>
                 <a:r>
-                  <a:rPr lang="en-US" altLang="ja-JP" sz="1200" dirty="0" smtClean="0"/>
+                  <a:rPr lang="en-US" altLang="ja-JP" sz="1200" dirty="0"/>
                   <a:t>30</a:t>
                 </a:r>
                 <a:r>
@@ -23568,18 +23403,9 @@
               <a:p>
                 <a:pPr eaLnBrk="1" hangingPunct="1"/>
                 <a:r>
-                  <a:rPr lang="ja-JP" altLang="en-US" sz="1200" dirty="0" smtClean="0"/>
-                  <a:t>レビュ</a:t>
+                  <a:rPr lang="ja-JP" altLang="en-US" sz="1200" dirty="0"/>
+                  <a:t>レビュー対象物</a:t>
                 </a:r>
-                <a:r>
-                  <a:rPr lang="ja-JP" altLang="en-US" sz="1200" dirty="0"/>
-                  <a:t>ー</a:t>
-                </a:r>
-                <a:r>
-                  <a:rPr lang="ja-JP" altLang="en-US" sz="1200" dirty="0" smtClean="0"/>
-                  <a:t>対象物</a:t>
-                </a:r>
-                <a:endParaRPr lang="ja-JP" altLang="en-US" sz="1200" dirty="0"/>
               </a:p>
             </p:txBody>
           </p:sp>
@@ -23791,13 +23617,8 @@
                 <a:pPr eaLnBrk="1" hangingPunct="1"/>
                 <a:r>
                   <a:rPr lang="ja-JP" altLang="en-US" sz="1200" dirty="0"/>
-                  <a:t>通番　　　　</a:t>
+                  <a:t>通番　　　　／</a:t>
                 </a:r>
-                <a:r>
-                  <a:rPr lang="ja-JP" altLang="en-US" sz="1200" dirty="0" smtClean="0"/>
-                  <a:t>／</a:t>
-                </a:r>
-                <a:endParaRPr lang="ja-JP" altLang="en-US" sz="1200" dirty="0"/>
               </a:p>
             </p:txBody>
           </p:sp>
@@ -26480,18 +26301,18 @@
             <a:p>
               <a:pPr algn="ctr"/>
               <a:r>
-                <a:rPr lang="ja-JP" altLang="en-US" sz="1200" dirty="0" smtClean="0"/>
+                <a:rPr lang="ja-JP" altLang="en-US" sz="1200" dirty="0"/>
                 <a:t>図の番号が「</a:t>
               </a:r>
               <a:r>
-                <a:rPr lang="en-US" altLang="ja-JP" sz="1200" dirty="0" smtClean="0"/>
+                <a:rPr lang="en-US" altLang="ja-JP" sz="1200" dirty="0"/>
                 <a:t>??</a:t>
               </a:r>
               <a:r>
-                <a:rPr lang="ja-JP" altLang="en-US" sz="1200" dirty="0" smtClean="0"/>
+                <a:rPr lang="ja-JP" altLang="en-US" sz="1200" dirty="0"/>
                 <a:t>」になってる</a:t>
               </a:r>
-              <a:endParaRPr lang="en-US" altLang="ja-JP" sz="1200" dirty="0" smtClean="0"/>
+              <a:endParaRPr lang="en-US" altLang="ja-JP" sz="1200" dirty="0"/>
             </a:p>
           </p:txBody>
         </p:sp>
@@ -26528,7 +26349,7 @@
                 <a:rPr lang="ja-JP" altLang="en-US" sz="1200" dirty="0"/>
                 <a:t>本城</a:t>
               </a:r>
-              <a:endParaRPr lang="en-US" altLang="ja-JP" sz="1200" dirty="0" smtClean="0"/>
+              <a:endParaRPr lang="en-US" altLang="ja-JP" sz="1200" dirty="0"/>
             </a:p>
           </p:txBody>
         </p:sp>
@@ -26562,14 +26383,10 @@
             <a:p>
               <a:pPr algn="ctr"/>
               <a:r>
-                <a:rPr lang="ja-JP" altLang="en-US" sz="1200" dirty="0" smtClean="0"/>
-                <a:t>修正</a:t>
+                <a:rPr lang="ja-JP" altLang="en-US" sz="1200" dirty="0"/>
+                <a:t>修正しました</a:t>
               </a:r>
-              <a:r>
-                <a:rPr lang="ja-JP" altLang="en-US" sz="1200" dirty="0" smtClean="0"/>
-                <a:t>しました</a:t>
-              </a:r>
-              <a:endParaRPr lang="en-US" altLang="ja-JP" sz="1200" dirty="0" smtClean="0"/>
+              <a:endParaRPr lang="en-US" altLang="ja-JP" sz="1200" dirty="0"/>
             </a:p>
           </p:txBody>
         </p:sp>
@@ -26603,26 +26420,17 @@
             <a:p>
               <a:pPr algn="ctr"/>
               <a:r>
-                <a:rPr lang="ja-JP" altLang="en-US" sz="1050" dirty="0" smtClean="0"/>
-                <a:t>今</a:t>
+                <a:rPr lang="ja-JP" altLang="en-US" sz="1050" dirty="0"/>
+                <a:t>今井</a:t>
               </a:r>
-              <a:r>
-                <a:rPr lang="ja-JP" altLang="en-US" sz="1050" dirty="0"/>
-                <a:t>井</a:t>
-              </a:r>
-              <a:endParaRPr lang="en-US" altLang="ja-JP" sz="1050" dirty="0" smtClean="0"/>
+              <a:endParaRPr lang="en-US" altLang="ja-JP" sz="1050" dirty="0"/>
             </a:p>
             <a:p>
               <a:pPr algn="ctr"/>
               <a:r>
-                <a:rPr lang="en-US" altLang="ja-JP" sz="1050" dirty="0" smtClean="0"/>
-                <a:t>(</a:t>
+                <a:rPr lang="en-US" altLang="ja-JP" sz="1050" dirty="0"/>
+                <a:t>(11/17)</a:t>
               </a:r>
-              <a:r>
-                <a:rPr lang="en-US" altLang="ja-JP" sz="1050" dirty="0" smtClean="0"/>
-                <a:t>11/17)</a:t>
-              </a:r>
-              <a:endParaRPr lang="en-US" altLang="ja-JP" sz="1050" dirty="0"/>
             </a:p>
           </p:txBody>
         </p:sp>
@@ -26692,7 +26500,7 @@
             <a:p>
               <a:pPr algn="ctr"/>
               <a:r>
-                <a:rPr lang="en-US" altLang="ja-JP" sz="1400" dirty="0" smtClean="0"/>
+                <a:rPr lang="en-US" altLang="ja-JP" sz="1400" dirty="0"/>
                 <a:t>p.8,10</a:t>
               </a:r>
               <a:endParaRPr kumimoji="1" lang="en-US" altLang="ja-JP" sz="1400" dirty="0"/>
@@ -26750,10 +26558,10 @@
             <a:p>
               <a:pPr algn="ctr"/>
               <a:r>
-                <a:rPr lang="ja-JP" altLang="en-US" sz="1200" dirty="0" smtClean="0"/>
+                <a:rPr lang="ja-JP" altLang="en-US" sz="1200" dirty="0"/>
                 <a:t>説明文から「図」の文字が抜けている</a:t>
               </a:r>
-              <a:endParaRPr lang="en-US" altLang="ja-JP" sz="1200" dirty="0" smtClean="0"/>
+              <a:endParaRPr lang="en-US" altLang="ja-JP" sz="1200" dirty="0"/>
             </a:p>
           </p:txBody>
         </p:sp>
@@ -26824,7 +26632,7 @@
             <a:p>
               <a:pPr algn="ctr"/>
               <a:r>
-                <a:rPr lang="ja-JP" altLang="en-US" sz="1200" dirty="0" smtClean="0"/>
+                <a:rPr lang="ja-JP" altLang="en-US" sz="1200" dirty="0"/>
                 <a:t>修正しました</a:t>
               </a:r>
               <a:endParaRPr lang="en-US" altLang="ja-JP" sz="1200" dirty="0"/>
@@ -26861,7 +26669,7 @@
             <a:p>
               <a:pPr algn="ctr"/>
               <a:r>
-                <a:rPr lang="ja-JP" altLang="en-US" sz="1050" dirty="0" smtClean="0"/>
+                <a:rPr lang="ja-JP" altLang="en-US" sz="1050" dirty="0"/>
                 <a:t>今井</a:t>
               </a:r>
               <a:endParaRPr lang="en-US" altLang="ja-JP" sz="1050" dirty="0"/>
@@ -26870,11 +26678,7 @@
               <a:pPr algn="ctr"/>
               <a:r>
                 <a:rPr lang="en-US" altLang="ja-JP" sz="1050" dirty="0"/>
-                <a:t>(</a:t>
-              </a:r>
-              <a:r>
-                <a:rPr lang="en-US" altLang="ja-JP" sz="1050" dirty="0" smtClean="0"/>
-                <a:t>11/17)</a:t>
+                <a:t>(11/17)</a:t>
               </a:r>
               <a:endParaRPr lang="en-US" altLang="ja-JP" sz="1200" dirty="0"/>
             </a:p>
@@ -26982,7 +26786,7 @@
             <a:p>
               <a:pPr algn="ctr"/>
               <a:r>
-                <a:rPr lang="en-US" altLang="ja-JP" sz="1200" dirty="0" smtClean="0"/>
+                <a:rPr lang="en-US" altLang="ja-JP" sz="1200" dirty="0"/>
                 <a:t>p.20,21</a:t>
               </a:r>
               <a:endParaRPr kumimoji="1" lang="en-US" altLang="ja-JP" sz="1200" dirty="0"/>
@@ -27040,9 +26844,10 @@
             <a:p>
               <a:pPr algn="ctr"/>
               <a:r>
-                <a:rPr kumimoji="1" lang="en-US" altLang="ja-JP" sz="1400" dirty="0"/>
-                <a:t>1</a:t>
+                <a:rPr kumimoji="1" lang="en-US" altLang="ja-JP" sz="1400"/>
+                <a:t>3</a:t>
               </a:r>
+              <a:endParaRPr kumimoji="1" lang="en-US" altLang="ja-JP" sz="1400" dirty="0"/>
             </a:p>
           </p:txBody>
         </p:sp>
@@ -27076,38 +26881,37 @@
             <a:p>
               <a:pPr algn="ctr"/>
               <a:r>
-                <a:rPr lang="ja-JP" altLang="en-US" sz="1200" dirty="0" smtClean="0"/>
+                <a:rPr lang="ja-JP" altLang="en-US" sz="1200" dirty="0"/>
                 <a:t>表</a:t>
               </a:r>
               <a:r>
-                <a:rPr lang="en-US" altLang="ja-JP" sz="1200" dirty="0" smtClean="0"/>
+                <a:rPr lang="en-US" altLang="ja-JP" sz="1200" dirty="0"/>
                 <a:t>7</a:t>
               </a:r>
               <a:r>
-                <a:rPr lang="ja-JP" altLang="en-US" sz="1200" dirty="0" smtClean="0"/>
+                <a:rPr lang="ja-JP" altLang="en-US" sz="1200" dirty="0"/>
                 <a:t>に「表</a:t>
               </a:r>
               <a:r>
-                <a:rPr lang="en-US" altLang="ja-JP" sz="1200" dirty="0" smtClean="0"/>
+                <a:rPr lang="en-US" altLang="ja-JP" sz="1200" dirty="0"/>
                 <a:t>14</a:t>
               </a:r>
               <a:r>
-                <a:rPr lang="ja-JP" altLang="en-US" sz="1200" dirty="0" smtClean="0"/>
+                <a:rPr lang="ja-JP" altLang="en-US" sz="1200" dirty="0"/>
                 <a:t>」の文字がある</a:t>
               </a:r>
               <a:r>
-                <a:rPr lang="en-US" altLang="ja-JP" sz="1200" dirty="0" smtClean="0"/>
+                <a:rPr lang="en-US" altLang="ja-JP" sz="1200" dirty="0"/>
                 <a:t>(</a:t>
               </a:r>
               <a:r>
-                <a:rPr lang="ja-JP" altLang="en-US" sz="1200" dirty="0" smtClean="0"/>
+                <a:rPr lang="ja-JP" altLang="en-US" sz="1200" dirty="0"/>
                 <a:t>消し忘れ？</a:t>
               </a:r>
               <a:r>
-                <a:rPr lang="en-US" altLang="ja-JP" sz="1200" dirty="0" smtClean="0"/>
+                <a:rPr lang="en-US" altLang="ja-JP" sz="1200" dirty="0"/>
                 <a:t>)</a:t>
               </a:r>
-              <a:endParaRPr lang="en-US" altLang="ja-JP" sz="1200" dirty="0" smtClean="0"/>
             </a:p>
           </p:txBody>
         </p:sp>
@@ -27144,7 +26948,7 @@
                 <a:rPr lang="ja-JP" altLang="en-US" sz="1200" dirty="0"/>
                 <a:t>本城</a:t>
               </a:r>
-              <a:endParaRPr lang="en-US" altLang="ja-JP" sz="1200" dirty="0" smtClean="0"/>
+              <a:endParaRPr lang="en-US" altLang="ja-JP" sz="1200" dirty="0"/>
             </a:p>
           </p:txBody>
         </p:sp>
@@ -27179,13 +26983,9 @@
               <a:pPr algn="ctr"/>
               <a:r>
                 <a:rPr lang="ja-JP" altLang="en-US" sz="1200" dirty="0"/>
-                <a:t>消</a:t>
+                <a:t>消しました</a:t>
               </a:r>
-              <a:r>
-                <a:rPr lang="ja-JP" altLang="en-US" sz="1200" dirty="0" smtClean="0"/>
-                <a:t>しました</a:t>
-              </a:r>
-              <a:endParaRPr lang="en-US" altLang="ja-JP" sz="1200" dirty="0" smtClean="0"/>
+              <a:endParaRPr lang="en-US" altLang="ja-JP" sz="1200" dirty="0"/>
             </a:p>
           </p:txBody>
         </p:sp>
@@ -27219,26 +27019,17 @@
             <a:p>
               <a:pPr algn="ctr"/>
               <a:r>
-                <a:rPr lang="ja-JP" altLang="en-US" sz="1050" dirty="0" smtClean="0"/>
-                <a:t>今</a:t>
+                <a:rPr lang="ja-JP" altLang="en-US" sz="1050" dirty="0"/>
+                <a:t>今井</a:t>
               </a:r>
-              <a:r>
-                <a:rPr lang="ja-JP" altLang="en-US" sz="1050" dirty="0"/>
-                <a:t>井</a:t>
-              </a:r>
-              <a:endParaRPr lang="en-US" altLang="ja-JP" sz="1050" dirty="0" smtClean="0"/>
+              <a:endParaRPr lang="en-US" altLang="ja-JP" sz="1050" dirty="0"/>
             </a:p>
             <a:p>
               <a:pPr algn="ctr"/>
               <a:r>
-                <a:rPr lang="en-US" altLang="ja-JP" sz="1050" dirty="0" smtClean="0"/>
-                <a:t>(</a:t>
+                <a:rPr lang="en-US" altLang="ja-JP" sz="1050" dirty="0"/>
+                <a:t>(11/17)</a:t>
               </a:r>
-              <a:r>
-                <a:rPr lang="en-US" altLang="ja-JP" sz="1050" dirty="0" smtClean="0"/>
-                <a:t>11/17)</a:t>
-              </a:r>
-              <a:endParaRPr lang="en-US" altLang="ja-JP" sz="1050" dirty="0"/>
             </a:p>
           </p:txBody>
         </p:sp>
@@ -27308,7 +27099,7 @@
             <a:p>
               <a:pPr algn="ctr"/>
               <a:r>
-                <a:rPr lang="en-US" altLang="ja-JP" sz="1400" dirty="0" smtClean="0"/>
+                <a:rPr lang="en-US" altLang="ja-JP" sz="1400" dirty="0"/>
                 <a:t>p.35</a:t>
               </a:r>
               <a:endParaRPr kumimoji="1" lang="en-US" altLang="ja-JP" sz="1400" dirty="0"/>
